--- a/presentation.pptx
+++ b/presentation.pptx
@@ -218,7 +218,7 @@
           <a:p>
             <a:fld id="{FDD1EC28-63E2-4794-8965-22D8C547BFF4}" type="datetimeFigureOut">
               <a:rPr lang="en-CA" smtClean="0"/>
-              <a:t>15-04-04</a:t>
+              <a:t>15-04-07</a:t>
             </a:fld>
             <a:endParaRPr lang="en-CA"/>
           </a:p>
@@ -617,7 +617,7 @@
           <a:p>
             <a:fld id="{43A0A2C7-4E28-45CC-8017-C3C52C012212}" type="datetime1">
               <a:rPr lang="en-CA" smtClean="0"/>
-              <a:t>15-04-04</a:t>
+              <a:t>15-04-07</a:t>
             </a:fld>
             <a:endParaRPr lang="en-CA"/>
           </a:p>
@@ -787,7 +787,7 @@
           <a:p>
             <a:fld id="{1BA660F2-116B-4934-BFC8-9176020FC952}" type="datetime1">
               <a:rPr lang="en-CA" smtClean="0"/>
-              <a:t>15-04-04</a:t>
+              <a:t>15-04-07</a:t>
             </a:fld>
             <a:endParaRPr lang="en-CA"/>
           </a:p>
@@ -967,7 +967,7 @@
           <a:p>
             <a:fld id="{264BC994-26DC-4095-AEEA-A2292F6E3E2C}" type="datetime1">
               <a:rPr lang="en-CA" smtClean="0"/>
-              <a:t>15-04-04</a:t>
+              <a:t>15-04-07</a:t>
             </a:fld>
             <a:endParaRPr lang="en-CA"/>
           </a:p>
@@ -1171,7 +1171,7 @@
           <a:p>
             <a:fld id="{1BE5CA62-2E61-4AA6-82E7-16F73F20D3C4}" type="datetime1">
               <a:rPr lang="en-CA" smtClean="0"/>
-              <a:t>15-04-04</a:t>
+              <a:t>15-04-07</a:t>
             </a:fld>
             <a:endParaRPr lang="en-CA"/>
           </a:p>
@@ -1466,7 +1466,7 @@
           <a:p>
             <a:fld id="{88FED490-3C98-435F-B628-3234D0B1B11B}" type="datetime1">
               <a:rPr lang="en-CA" smtClean="0"/>
-              <a:t>15-04-04</a:t>
+              <a:t>15-04-07</a:t>
             </a:fld>
             <a:endParaRPr lang="en-CA"/>
           </a:p>
@@ -1705,7 +1705,7 @@
           <a:p>
             <a:fld id="{6F8DB5A9-9A2E-4850-9772-2CB1A3C0911B}" type="datetime1">
               <a:rPr lang="en-CA" smtClean="0"/>
-              <a:t>15-04-04</a:t>
+              <a:t>15-04-07</a:t>
             </a:fld>
             <a:endParaRPr lang="en-CA"/>
           </a:p>
@@ -2079,7 +2079,7 @@
           <a:p>
             <a:fld id="{C33EB5E6-F829-436C-B106-2BAB68CD6BD3}" type="datetime1">
               <a:rPr lang="en-CA" smtClean="0"/>
-              <a:t>15-04-04</a:t>
+              <a:t>15-04-07</a:t>
             </a:fld>
             <a:endParaRPr lang="en-CA"/>
           </a:p>
@@ -2204,7 +2204,7 @@
           <a:p>
             <a:fld id="{FB9B8351-511A-46AA-8D80-72024A02350B}" type="datetime1">
               <a:rPr lang="en-CA" smtClean="0"/>
-              <a:t>15-04-04</a:t>
+              <a:t>15-04-07</a:t>
             </a:fld>
             <a:endParaRPr lang="en-CA"/>
           </a:p>
@@ -2299,7 +2299,7 @@
           <a:p>
             <a:fld id="{6E0F249E-61C1-42E6-A264-22B29ECF7F26}" type="datetime1">
               <a:rPr lang="en-CA" smtClean="0"/>
-              <a:t>15-04-04</a:t>
+              <a:t>15-04-07</a:t>
             </a:fld>
             <a:endParaRPr lang="en-CA"/>
           </a:p>
@@ -2576,7 +2576,7 @@
           <a:p>
             <a:fld id="{3F9305A0-EDFD-4F49-A10F-506902700209}" type="datetime1">
               <a:rPr lang="en-CA" smtClean="0"/>
-              <a:t>15-04-04</a:t>
+              <a:t>15-04-07</a:t>
             </a:fld>
             <a:endParaRPr lang="en-CA"/>
           </a:p>
@@ -2833,7 +2833,7 @@
           <a:p>
             <a:fld id="{2E519F84-1620-43D0-AD9F-143EAC6BE50A}" type="datetime1">
               <a:rPr lang="en-CA" smtClean="0"/>
-              <a:t>15-04-04</a:t>
+              <a:t>15-04-07</a:t>
             </a:fld>
             <a:endParaRPr lang="en-CA"/>
           </a:p>
@@ -3046,7 +3046,7 @@
           <a:p>
             <a:fld id="{FA317163-9A9D-49B7-BF2C-86F619D19033}" type="datetime1">
               <a:rPr lang="en-CA" smtClean="0"/>
-              <a:t>15-04-04</a:t>
+              <a:t>15-04-07</a:t>
             </a:fld>
             <a:endParaRPr lang="en-CA"/>
           </a:p>
@@ -3575,20 +3575,25 @@
             <p:ph idx="1"/>
           </p:nvPr>
         </p:nvSpPr>
-        <p:spPr/>
+        <p:spPr>
+          <a:xfrm>
+            <a:off x="628649" y="1227220"/>
+            <a:ext cx="8243035" cy="4997869"/>
+          </a:xfrm>
+        </p:spPr>
         <p:txBody>
           <a:bodyPr/>
           <a:lstStyle/>
           <a:p>
             <a:r>
               <a:rPr lang="en-US" dirty="0" smtClean="0"/>
-              <a:t>Sample-based synthesis is difficult to perform in block-based environment.</a:t>
+              <a:t>It is difficult to implement sample-based calculation in a block-based environment.</a:t>
             </a:r>
           </a:p>
           <a:p>
             <a:r>
               <a:rPr lang="en-US" dirty="0" smtClean="0"/>
-              <a:t>Vibrato plays a vital role in singing voice perception.</a:t>
+              <a:t>Vibrato has a considerable effect in perceived synthesis quality.</a:t>
             </a:r>
           </a:p>
           <a:p>
@@ -3627,7 +3632,7 @@
     </p:spTree>
     <p:extLst>
       <p:ext uri="{BB962C8B-B14F-4D97-AF65-F5344CB8AC3E}">
-        <p14:creationId xmlns:p14="http://schemas.microsoft.com/office/powerpoint/2010/main" val="2339208581"/>
+        <p14:creationId xmlns:p14="http://schemas.microsoft.com/office/powerpoint/2010/main" val="2624786253"/>
       </p:ext>
     </p:extLst>
   </p:cSld>
